--- a/doc/jpa.pptx
+++ b/doc/jpa.pptx
@@ -10,6 +10,7 @@
     <p:sldId id="258" r:id="rId4"/>
     <p:sldId id="259" r:id="rId5"/>
     <p:sldId id="260" r:id="rId6"/>
+    <p:sldId id="261" r:id="rId7"/>
   </p:sldIdLst>
   <p:sldSz cx="12192000" cy="6858000"/>
   <p:notesSz cx="6858000" cy="9144000"/>
@@ -108,6 +109,11 @@
       </a:defRPr>
     </a:lvl9pPr>
   </p:defaultTextStyle>
+  <p:extLst>
+    <p:ext uri="{EFAFB233-063F-42B5-8137-9DF3F51BA10A}">
+      <p15:sldGuideLst xmlns:p15="http://schemas.microsoft.com/office/powerpoint/2012/main"/>
+    </p:ext>
+  </p:extLst>
 </p:presentation>
 </file>
 
@@ -258,7 +264,7 @@
           <a:p>
             <a:fld id="{448E4613-9255-4522-AADE-3B23B2C64EFA}" type="datetimeFigureOut">
               <a:rPr lang="ko-KR" altLang="en-US" smtClean="0"/>
-              <a:t>2020-10-14</a:t>
+              <a:t>2020-11-27</a:t>
             </a:fld>
             <a:endParaRPr lang="ko-KR" altLang="en-US"/>
           </a:p>
@@ -456,7 +462,7 @@
           <a:p>
             <a:fld id="{448E4613-9255-4522-AADE-3B23B2C64EFA}" type="datetimeFigureOut">
               <a:rPr lang="ko-KR" altLang="en-US" smtClean="0"/>
-              <a:t>2020-10-14</a:t>
+              <a:t>2020-11-27</a:t>
             </a:fld>
             <a:endParaRPr lang="ko-KR" altLang="en-US"/>
           </a:p>
@@ -664,7 +670,7 @@
           <a:p>
             <a:fld id="{448E4613-9255-4522-AADE-3B23B2C64EFA}" type="datetimeFigureOut">
               <a:rPr lang="ko-KR" altLang="en-US" smtClean="0"/>
-              <a:t>2020-10-14</a:t>
+              <a:t>2020-11-27</a:t>
             </a:fld>
             <a:endParaRPr lang="ko-KR" altLang="en-US"/>
           </a:p>
@@ -862,7 +868,7 @@
           <a:p>
             <a:fld id="{448E4613-9255-4522-AADE-3B23B2C64EFA}" type="datetimeFigureOut">
               <a:rPr lang="ko-KR" altLang="en-US" smtClean="0"/>
-              <a:t>2020-10-14</a:t>
+              <a:t>2020-11-27</a:t>
             </a:fld>
             <a:endParaRPr lang="ko-KR" altLang="en-US"/>
           </a:p>
@@ -1137,7 +1143,7 @@
           <a:p>
             <a:fld id="{448E4613-9255-4522-AADE-3B23B2C64EFA}" type="datetimeFigureOut">
               <a:rPr lang="ko-KR" altLang="en-US" smtClean="0"/>
-              <a:t>2020-10-14</a:t>
+              <a:t>2020-11-27</a:t>
             </a:fld>
             <a:endParaRPr lang="ko-KR" altLang="en-US"/>
           </a:p>
@@ -1402,7 +1408,7 @@
           <a:p>
             <a:fld id="{448E4613-9255-4522-AADE-3B23B2C64EFA}" type="datetimeFigureOut">
               <a:rPr lang="ko-KR" altLang="en-US" smtClean="0"/>
-              <a:t>2020-10-14</a:t>
+              <a:t>2020-11-27</a:t>
             </a:fld>
             <a:endParaRPr lang="ko-KR" altLang="en-US"/>
           </a:p>
@@ -1814,7 +1820,7 @@
           <a:p>
             <a:fld id="{448E4613-9255-4522-AADE-3B23B2C64EFA}" type="datetimeFigureOut">
               <a:rPr lang="ko-KR" altLang="en-US" smtClean="0"/>
-              <a:t>2020-10-14</a:t>
+              <a:t>2020-11-27</a:t>
             </a:fld>
             <a:endParaRPr lang="ko-KR" altLang="en-US"/>
           </a:p>
@@ -1955,7 +1961,7 @@
           <a:p>
             <a:fld id="{448E4613-9255-4522-AADE-3B23B2C64EFA}" type="datetimeFigureOut">
               <a:rPr lang="ko-KR" altLang="en-US" smtClean="0"/>
-              <a:t>2020-10-14</a:t>
+              <a:t>2020-11-27</a:t>
             </a:fld>
             <a:endParaRPr lang="ko-KR" altLang="en-US"/>
           </a:p>
@@ -2068,7 +2074,7 @@
           <a:p>
             <a:fld id="{448E4613-9255-4522-AADE-3B23B2C64EFA}" type="datetimeFigureOut">
               <a:rPr lang="ko-KR" altLang="en-US" smtClean="0"/>
-              <a:t>2020-10-14</a:t>
+              <a:t>2020-11-27</a:t>
             </a:fld>
             <a:endParaRPr lang="ko-KR" altLang="en-US"/>
           </a:p>
@@ -2379,7 +2385,7 @@
           <a:p>
             <a:fld id="{448E4613-9255-4522-AADE-3B23B2C64EFA}" type="datetimeFigureOut">
               <a:rPr lang="ko-KR" altLang="en-US" smtClean="0"/>
-              <a:t>2020-10-14</a:t>
+              <a:t>2020-11-27</a:t>
             </a:fld>
             <a:endParaRPr lang="ko-KR" altLang="en-US"/>
           </a:p>
@@ -2667,7 +2673,7 @@
           <a:p>
             <a:fld id="{448E4613-9255-4522-AADE-3B23B2C64EFA}" type="datetimeFigureOut">
               <a:rPr lang="ko-KR" altLang="en-US" smtClean="0"/>
-              <a:t>2020-10-14</a:t>
+              <a:t>2020-11-27</a:t>
             </a:fld>
             <a:endParaRPr lang="ko-KR" altLang="en-US"/>
           </a:p>
@@ -2908,7 +2914,7 @@
           <a:p>
             <a:fld id="{448E4613-9255-4522-AADE-3B23B2C64EFA}" type="datetimeFigureOut">
               <a:rPr lang="ko-KR" altLang="en-US" smtClean="0"/>
-              <a:t>2020-10-14</a:t>
+              <a:t>2020-11-27</a:t>
             </a:fld>
             <a:endParaRPr lang="ko-KR" altLang="en-US"/>
           </a:p>
@@ -5227,6 +5233,423 @@
 </p:sld>
 </file>
 
+<file path=ppt/slides/slide6.xml><?xml version="1.0" encoding="utf-8"?>
+<p:sld xmlns:a="http://schemas.openxmlformats.org/drawingml/2006/main" xmlns:r="http://schemas.openxmlformats.org/officeDocument/2006/relationships" xmlns:p="http://schemas.openxmlformats.org/presentationml/2006/main">
+  <p:cSld>
+    <p:spTree>
+      <p:nvGrpSpPr>
+        <p:cNvPr id="1" name=""/>
+        <p:cNvGrpSpPr/>
+        <p:nvPr/>
+      </p:nvGrpSpPr>
+      <p:grpSpPr>
+        <a:xfrm>
+          <a:off x="0" y="0"/>
+          <a:ext cx="0" cy="0"/>
+          <a:chOff x="0" y="0"/>
+          <a:chExt cx="0" cy="0"/>
+        </a:xfrm>
+      </p:grpSpPr>
+      <p:sp>
+        <p:nvSpPr>
+          <p:cNvPr id="5" name="타원 4">
+            <a:extLst>
+              <a:ext uri="{FF2B5EF4-FFF2-40B4-BE49-F238E27FC236}">
+                <a16:creationId xmlns:a16="http://schemas.microsoft.com/office/drawing/2014/main" id="{7829FDC3-FE6C-4401-AE08-7E0E63445EFE}"/>
+              </a:ext>
+            </a:extLst>
+          </p:cNvPr>
+          <p:cNvSpPr/>
+          <p:nvPr/>
+        </p:nvSpPr>
+        <p:spPr>
+          <a:xfrm>
+            <a:off x="3350028" y="2610196"/>
+            <a:ext cx="914400" cy="914400"/>
+          </a:xfrm>
+          <a:prstGeom prst="ellipse">
+            <a:avLst/>
+          </a:prstGeom>
+        </p:spPr>
+        <p:style>
+          <a:lnRef idx="2">
+            <a:schemeClr val="accent2">
+              <a:shade val="50000"/>
+            </a:schemeClr>
+          </a:lnRef>
+          <a:fillRef idx="1">
+            <a:schemeClr val="accent2"/>
+          </a:fillRef>
+          <a:effectRef idx="0">
+            <a:schemeClr val="accent2"/>
+          </a:effectRef>
+          <a:fontRef idx="minor">
+            <a:schemeClr val="lt1"/>
+          </a:fontRef>
+        </p:style>
+        <p:txBody>
+          <a:bodyPr rtlCol="0" anchor="ctr"/>
+          <a:lstStyle/>
+          <a:p>
+            <a:pPr algn="ctr"/>
+            <a:r>
+              <a:rPr lang="en-US" altLang="ko-KR" dirty="0"/>
+              <a:t>user</a:t>
+            </a:r>
+            <a:endParaRPr lang="ko-KR" altLang="en-US" dirty="0"/>
+          </a:p>
+        </p:txBody>
+      </p:sp>
+      <p:cxnSp>
+        <p:nvCxnSpPr>
+          <p:cNvPr id="12" name="직선 화살표 연결선 11">
+            <a:extLst>
+              <a:ext uri="{FF2B5EF4-FFF2-40B4-BE49-F238E27FC236}">
+                <a16:creationId xmlns:a16="http://schemas.microsoft.com/office/drawing/2014/main" id="{7EF1BDCC-E050-4119-8577-E2C0DAB900AC}"/>
+              </a:ext>
+            </a:extLst>
+          </p:cNvPr>
+          <p:cNvCxnSpPr/>
+          <p:nvPr/>
+        </p:nvCxnSpPr>
+        <p:spPr>
+          <a:xfrm flipV="1">
+            <a:off x="4355869" y="1787236"/>
+            <a:ext cx="2527069" cy="980902"/>
+          </a:xfrm>
+          <a:prstGeom prst="straightConnector1">
+            <a:avLst/>
+          </a:prstGeom>
+          <a:ln>
+            <a:tailEnd type="triangle"/>
+          </a:ln>
+        </p:spPr>
+        <p:style>
+          <a:lnRef idx="1">
+            <a:schemeClr val="dk1"/>
+          </a:lnRef>
+          <a:fillRef idx="0">
+            <a:schemeClr val="dk1"/>
+          </a:fillRef>
+          <a:effectRef idx="0">
+            <a:schemeClr val="dk1"/>
+          </a:effectRef>
+          <a:fontRef idx="minor">
+            <a:schemeClr val="tx1"/>
+          </a:fontRef>
+        </p:style>
+      </p:cxnSp>
+      <p:cxnSp>
+        <p:nvCxnSpPr>
+          <p:cNvPr id="13" name="직선 화살표 연결선 12">
+            <a:extLst>
+              <a:ext uri="{FF2B5EF4-FFF2-40B4-BE49-F238E27FC236}">
+                <a16:creationId xmlns:a16="http://schemas.microsoft.com/office/drawing/2014/main" id="{2F1857EE-2F26-4EE3-B1C7-04EB3E5255AA}"/>
+              </a:ext>
+            </a:extLst>
+          </p:cNvPr>
+          <p:cNvCxnSpPr>
+            <a:cxnSpLocks/>
+          </p:cNvCxnSpPr>
+          <p:nvPr/>
+        </p:nvCxnSpPr>
+        <p:spPr>
+          <a:xfrm flipV="1">
+            <a:off x="4355868" y="2904605"/>
+            <a:ext cx="2527070" cy="196043"/>
+          </a:xfrm>
+          <a:prstGeom prst="straightConnector1">
+            <a:avLst/>
+          </a:prstGeom>
+          <a:ln>
+            <a:tailEnd type="triangle"/>
+          </a:ln>
+        </p:spPr>
+        <p:style>
+          <a:lnRef idx="1">
+            <a:schemeClr val="dk1"/>
+          </a:lnRef>
+          <a:fillRef idx="0">
+            <a:schemeClr val="dk1"/>
+          </a:fillRef>
+          <a:effectRef idx="0">
+            <a:schemeClr val="dk1"/>
+          </a:effectRef>
+          <a:fontRef idx="minor">
+            <a:schemeClr val="tx1"/>
+          </a:fontRef>
+        </p:style>
+      </p:cxnSp>
+      <p:cxnSp>
+        <p:nvCxnSpPr>
+          <p:cNvPr id="16" name="직선 화살표 연결선 15">
+            <a:extLst>
+              <a:ext uri="{FF2B5EF4-FFF2-40B4-BE49-F238E27FC236}">
+                <a16:creationId xmlns:a16="http://schemas.microsoft.com/office/drawing/2014/main" id="{6758D25B-7415-4D80-AEC8-8C91585BB9BA}"/>
+              </a:ext>
+            </a:extLst>
+          </p:cNvPr>
+          <p:cNvCxnSpPr>
+            <a:cxnSpLocks/>
+          </p:cNvCxnSpPr>
+          <p:nvPr/>
+        </p:nvCxnSpPr>
+        <p:spPr>
+          <a:xfrm>
+            <a:off x="4355868" y="3358342"/>
+            <a:ext cx="2527070" cy="815339"/>
+          </a:xfrm>
+          <a:prstGeom prst="straightConnector1">
+            <a:avLst/>
+          </a:prstGeom>
+          <a:ln>
+            <a:tailEnd type="triangle"/>
+          </a:ln>
+        </p:spPr>
+        <p:style>
+          <a:lnRef idx="1">
+            <a:schemeClr val="dk1"/>
+          </a:lnRef>
+          <a:fillRef idx="0">
+            <a:schemeClr val="dk1"/>
+          </a:fillRef>
+          <a:effectRef idx="0">
+            <a:schemeClr val="dk1"/>
+          </a:effectRef>
+          <a:fontRef idx="minor">
+            <a:schemeClr val="tx1"/>
+          </a:fontRef>
+        </p:style>
+      </p:cxnSp>
+      <p:sp>
+        <p:nvSpPr>
+          <p:cNvPr id="19" name="TextBox 18">
+            <a:extLst>
+              <a:ext uri="{FF2B5EF4-FFF2-40B4-BE49-F238E27FC236}">
+                <a16:creationId xmlns:a16="http://schemas.microsoft.com/office/drawing/2014/main" id="{7E1772FC-7892-4D1A-B2E6-483A11FF3CAE}"/>
+              </a:ext>
+            </a:extLst>
+          </p:cNvPr>
+          <p:cNvSpPr txBox="1"/>
+          <p:nvPr/>
+        </p:nvSpPr>
+        <p:spPr>
+          <a:xfrm>
+            <a:off x="1221971" y="5178830"/>
+            <a:ext cx="4993675" cy="1754326"/>
+          </a:xfrm>
+          <a:prstGeom prst="rect">
+            <a:avLst/>
+          </a:prstGeom>
+          <a:noFill/>
+        </p:spPr>
+        <p:txBody>
+          <a:bodyPr wrap="none" rtlCol="0">
+            <a:spAutoFit/>
+          </a:bodyPr>
+          <a:lstStyle/>
+          <a:p>
+            <a:r>
+              <a:rPr lang="en-US" altLang="ko-KR" dirty="0"/>
+              <a:t>User : Email ( 1 : N )	</a:t>
+            </a:r>
+            <a:br>
+              <a:rPr lang="en-US" altLang="ko-KR" dirty="0"/>
+            </a:br>
+            <a:r>
+              <a:rPr lang="ko-KR" altLang="en-US" dirty="0"/>
+              <a:t>한 사용자가 여러 번 이메일 인증을 할 수 있음</a:t>
+            </a:r>
+            <a:endParaRPr lang="en-US" altLang="ko-KR" dirty="0"/>
+          </a:p>
+          <a:p>
+            <a:r>
+              <a:rPr lang="ko-KR" altLang="en-US" dirty="0"/>
+              <a:t>사용자가 없으면 이메일 인증도 없음</a:t>
+            </a:r>
+            <a:r>
+              <a:rPr lang="en-US" altLang="ko-KR" dirty="0"/>
+              <a:t>!</a:t>
+            </a:r>
+          </a:p>
+          <a:p>
+            <a:r>
+              <a:rPr lang="ko-KR" altLang="en-US" dirty="0"/>
+              <a:t>따라서 관계의 주인은 사용자</a:t>
+            </a:r>
+            <a:endParaRPr lang="en-US" altLang="ko-KR" dirty="0"/>
+          </a:p>
+          <a:p>
+            <a:endParaRPr lang="en-US" altLang="ko-KR" dirty="0"/>
+          </a:p>
+          <a:p>
+            <a:endParaRPr lang="en-US" altLang="ko-KR" dirty="0"/>
+          </a:p>
+        </p:txBody>
+      </p:sp>
+      <p:sp>
+        <p:nvSpPr>
+          <p:cNvPr id="2" name="사각형: 둥근 모서리 1">
+            <a:extLst>
+              <a:ext uri="{FF2B5EF4-FFF2-40B4-BE49-F238E27FC236}">
+                <a16:creationId xmlns:a16="http://schemas.microsoft.com/office/drawing/2014/main" id="{1BA8FEDE-22B2-49FD-82B7-F26DC57BC923}"/>
+              </a:ext>
+            </a:extLst>
+          </p:cNvPr>
+          <p:cNvSpPr/>
+          <p:nvPr/>
+        </p:nvSpPr>
+        <p:spPr>
+          <a:xfrm>
+            <a:off x="6993773" y="1341120"/>
+            <a:ext cx="1177638" cy="588819"/>
+          </a:xfrm>
+          <a:prstGeom prst="roundRect">
+            <a:avLst/>
+          </a:prstGeom>
+        </p:spPr>
+        <p:style>
+          <a:lnRef idx="2">
+            <a:schemeClr val="accent3">
+              <a:shade val="50000"/>
+            </a:schemeClr>
+          </a:lnRef>
+          <a:fillRef idx="1">
+            <a:schemeClr val="accent3"/>
+          </a:fillRef>
+          <a:effectRef idx="0">
+            <a:schemeClr val="accent3"/>
+          </a:effectRef>
+          <a:fontRef idx="minor">
+            <a:schemeClr val="lt1"/>
+          </a:fontRef>
+        </p:style>
+        <p:txBody>
+          <a:bodyPr rtlCol="0" anchor="ctr"/>
+          <a:lstStyle/>
+          <a:p>
+            <a:pPr algn="ctr"/>
+            <a:r>
+              <a:rPr lang="en-US" altLang="ko-KR" dirty="0"/>
+              <a:t>email</a:t>
+            </a:r>
+            <a:endParaRPr lang="ko-KR" altLang="en-US" dirty="0"/>
+          </a:p>
+        </p:txBody>
+      </p:sp>
+      <p:sp>
+        <p:nvSpPr>
+          <p:cNvPr id="4" name="사각형: 둥근 모서리 3">
+            <a:extLst>
+              <a:ext uri="{FF2B5EF4-FFF2-40B4-BE49-F238E27FC236}">
+                <a16:creationId xmlns:a16="http://schemas.microsoft.com/office/drawing/2014/main" id="{6804973D-6D0A-48A0-933E-32849AA6BEF3}"/>
+              </a:ext>
+            </a:extLst>
+          </p:cNvPr>
+          <p:cNvSpPr/>
+          <p:nvPr/>
+        </p:nvSpPr>
+        <p:spPr>
+          <a:xfrm>
+            <a:off x="6993773" y="2610196"/>
+            <a:ext cx="1177638" cy="588819"/>
+          </a:xfrm>
+          <a:prstGeom prst="roundRect">
+            <a:avLst/>
+          </a:prstGeom>
+        </p:spPr>
+        <p:style>
+          <a:lnRef idx="2">
+            <a:schemeClr val="accent3">
+              <a:shade val="50000"/>
+            </a:schemeClr>
+          </a:lnRef>
+          <a:fillRef idx="1">
+            <a:schemeClr val="accent3"/>
+          </a:fillRef>
+          <a:effectRef idx="0">
+            <a:schemeClr val="accent3"/>
+          </a:effectRef>
+          <a:fontRef idx="minor">
+            <a:schemeClr val="lt1"/>
+          </a:fontRef>
+        </p:style>
+        <p:txBody>
+          <a:bodyPr rtlCol="0" anchor="ctr"/>
+          <a:lstStyle/>
+          <a:p>
+            <a:pPr algn="ctr"/>
+            <a:r>
+              <a:rPr lang="en-US" altLang="ko-KR" dirty="0"/>
+              <a:t>email</a:t>
+            </a:r>
+            <a:endParaRPr lang="ko-KR" altLang="en-US" dirty="0"/>
+          </a:p>
+        </p:txBody>
+      </p:sp>
+      <p:sp>
+        <p:nvSpPr>
+          <p:cNvPr id="6" name="사각형: 둥근 모서리 5">
+            <a:extLst>
+              <a:ext uri="{FF2B5EF4-FFF2-40B4-BE49-F238E27FC236}">
+                <a16:creationId xmlns:a16="http://schemas.microsoft.com/office/drawing/2014/main" id="{8F0CC3F5-DC97-47DE-818B-2F6BFE12BFC1}"/>
+              </a:ext>
+            </a:extLst>
+          </p:cNvPr>
+          <p:cNvSpPr/>
+          <p:nvPr/>
+        </p:nvSpPr>
+        <p:spPr>
+          <a:xfrm>
+            <a:off x="6993773" y="3879272"/>
+            <a:ext cx="1177638" cy="588819"/>
+          </a:xfrm>
+          <a:prstGeom prst="roundRect">
+            <a:avLst/>
+          </a:prstGeom>
+        </p:spPr>
+        <p:style>
+          <a:lnRef idx="2">
+            <a:schemeClr val="accent3">
+              <a:shade val="50000"/>
+            </a:schemeClr>
+          </a:lnRef>
+          <a:fillRef idx="1">
+            <a:schemeClr val="accent3"/>
+          </a:fillRef>
+          <a:effectRef idx="0">
+            <a:schemeClr val="accent3"/>
+          </a:effectRef>
+          <a:fontRef idx="minor">
+            <a:schemeClr val="lt1"/>
+          </a:fontRef>
+        </p:style>
+        <p:txBody>
+          <a:bodyPr rtlCol="0" anchor="ctr"/>
+          <a:lstStyle/>
+          <a:p>
+            <a:pPr algn="ctr"/>
+            <a:r>
+              <a:rPr lang="en-US" altLang="ko-KR" dirty="0"/>
+              <a:t>email</a:t>
+            </a:r>
+            <a:endParaRPr lang="ko-KR" altLang="en-US" dirty="0"/>
+          </a:p>
+        </p:txBody>
+      </p:sp>
+    </p:spTree>
+    <p:extLst>
+      <p:ext uri="{BB962C8B-B14F-4D97-AF65-F5344CB8AC3E}">
+        <p14:creationId xmlns:p14="http://schemas.microsoft.com/office/powerpoint/2010/main" val="3271179637"/>
+      </p:ext>
+    </p:extLst>
+  </p:cSld>
+  <p:clrMapOvr>
+    <a:masterClrMapping/>
+  </p:clrMapOvr>
+</p:sld>
+</file>
+
 <file path=ppt/theme/theme1.xml><?xml version="1.0" encoding="utf-8"?>
 <a:theme xmlns:a="http://schemas.openxmlformats.org/drawingml/2006/main" name="Office 테마">
   <a:themeElements>
